--- a/Obrada transakcija/Obrada transakcija.pptx
+++ b/Obrada transakcija/Obrada transakcija.pptx
@@ -182,7 +182,7 @@
           <p:cNvPr id="2" name="Header Placeholder 1">
             <a:extLst>
               <a:ext uri="{FF2B5EF4-FFF2-40B4-BE49-F238E27FC236}">
-                <a16:creationId xmlns="" xmlns:a16="http://schemas.microsoft.com/office/drawing/2014/main" id="{737F2D40-DF92-4ADE-A761-CBF896599CA3}"/>
+                <a16:creationId xmlns:a16="http://schemas.microsoft.com/office/drawing/2014/main" xmlns="" id="{737F2D40-DF92-4ADE-A761-CBF896599CA3}"/>
               </a:ext>
             </a:extLst>
           </p:cNvPr>
@@ -219,7 +219,7 @@
           <p:cNvPr id="3" name="Date Placeholder 2">
             <a:extLst>
               <a:ext uri="{FF2B5EF4-FFF2-40B4-BE49-F238E27FC236}">
-                <a16:creationId xmlns="" xmlns:a16="http://schemas.microsoft.com/office/drawing/2014/main" id="{874F42E9-55BA-437C-85B3-324B4E2BF264}"/>
+                <a16:creationId xmlns:a16="http://schemas.microsoft.com/office/drawing/2014/main" xmlns="" id="{874F42E9-55BA-437C-85B3-324B4E2BF264}"/>
               </a:ext>
             </a:extLst>
           </p:cNvPr>
@@ -249,7 +249,7 @@
           <a:p>
             <a:fld id="{866D81A9-CFC2-4640-899E-DD3E177BE50A}" type="datetimeFigureOut">
               <a:rPr lang="en-US" smtClean="0"/>
-              <a:t>19/5/2020</a:t>
+              <a:t>20/5/2020</a:t>
             </a:fld>
             <a:endParaRPr lang="en-US" dirty="0"/>
           </a:p>
@@ -260,7 +260,7 @@
           <p:cNvPr id="4" name="Footer Placeholder 3">
             <a:extLst>
               <a:ext uri="{FF2B5EF4-FFF2-40B4-BE49-F238E27FC236}">
-                <a16:creationId xmlns="" xmlns:a16="http://schemas.microsoft.com/office/drawing/2014/main" id="{407DF0FD-84A5-462F-A0AC-B2CEF6020C45}"/>
+                <a16:creationId xmlns:a16="http://schemas.microsoft.com/office/drawing/2014/main" xmlns="" id="{407DF0FD-84A5-462F-A0AC-B2CEF6020C45}"/>
               </a:ext>
             </a:extLst>
           </p:cNvPr>
@@ -297,7 +297,7 @@
           <p:cNvPr id="5" name="Slide Number Placeholder 4">
             <a:extLst>
               <a:ext uri="{FF2B5EF4-FFF2-40B4-BE49-F238E27FC236}">
-                <a16:creationId xmlns="" xmlns:a16="http://schemas.microsoft.com/office/drawing/2014/main" id="{5D85C710-014C-4C89-9B64-843B9863CEBF}"/>
+                <a16:creationId xmlns:a16="http://schemas.microsoft.com/office/drawing/2014/main" xmlns="" id="{5D85C710-014C-4C89-9B64-843B9863CEBF}"/>
               </a:ext>
             </a:extLst>
           </p:cNvPr>
@@ -426,7 +426,7 @@
           <a:p>
             <a:fld id="{AA1E50F4-C55A-473A-A70B-4B042EF011A9}" type="datetimeFigureOut">
               <a:rPr lang="en-US" smtClean="0"/>
-              <a:t>19/5/2020</a:t>
+              <a:t>20/5/2020</a:t>
             </a:fld>
             <a:endParaRPr lang="en-US" dirty="0"/>
           </a:p>
@@ -1091,7 +1091,7 @@
             <a:fld id="{87DE6118-2437-4B30-8E3C-4D2BE6020583}" type="datetimeFigureOut">
               <a:rPr lang="en-US" smtClean="0"/>
               <a:pPr/>
-              <a:t>19/5/2020</a:t>
+              <a:t>20/5/2020</a:t>
             </a:fld>
             <a:endParaRPr lang="en-US" dirty="0"/>
           </a:p>
@@ -1427,7 +1427,7 @@
             <a:fld id="{87DE6118-2437-4B30-8E3C-4D2BE6020583}" type="datetimeFigureOut">
               <a:rPr lang="en-US" smtClean="0"/>
               <a:pPr/>
-              <a:t>19/5/2020</a:t>
+              <a:t>20/5/2020</a:t>
             </a:fld>
             <a:endParaRPr lang="en-US" dirty="0"/>
           </a:p>
@@ -1707,7 +1707,7 @@
             <a:fld id="{87DE6118-2437-4B30-8E3C-4D2BE6020583}" type="datetimeFigureOut">
               <a:rPr lang="en-US" smtClean="0"/>
               <a:pPr/>
-              <a:t>19/5/2020</a:t>
+              <a:t>20/5/2020</a:t>
             </a:fld>
             <a:endParaRPr lang="en-US" dirty="0"/>
           </a:p>
@@ -2277,7 +2277,7 @@
             <a:fld id="{87DE6118-2437-4B30-8E3C-4D2BE6020583}" type="datetimeFigureOut">
               <a:rPr lang="en-US" smtClean="0"/>
               <a:pPr/>
-              <a:t>19/5/2020</a:t>
+              <a:t>20/5/2020</a:t>
             </a:fld>
             <a:endParaRPr lang="en-US" dirty="0"/>
           </a:p>
@@ -2557,7 +2557,7 @@
             <a:fld id="{87DE6118-2437-4B30-8E3C-4D2BE6020583}" type="datetimeFigureOut">
               <a:rPr lang="en-US" smtClean="0"/>
               <a:pPr/>
-              <a:t>19/5/2020</a:t>
+              <a:t>20/5/2020</a:t>
             </a:fld>
             <a:endParaRPr lang="en-US" dirty="0"/>
           </a:p>
@@ -3121,7 +3121,7 @@
             <a:fld id="{87DE6118-2437-4B30-8E3C-4D2BE6020583}" type="datetimeFigureOut">
               <a:rPr lang="en-US" smtClean="0"/>
               <a:pPr/>
-              <a:t>19/5/2020</a:t>
+              <a:t>20/5/2020</a:t>
             </a:fld>
             <a:endParaRPr lang="en-US" dirty="0"/>
           </a:p>
@@ -3450,7 +3450,7 @@
             <a:fld id="{87DE6118-2437-4B30-8E3C-4D2BE6020583}" type="datetimeFigureOut">
               <a:rPr lang="en-US" smtClean="0"/>
               <a:pPr/>
-              <a:t>19/5/2020</a:t>
+              <a:t>20/5/2020</a:t>
             </a:fld>
             <a:endParaRPr lang="en-US" dirty="0"/>
           </a:p>
@@ -3656,7 +3656,7 @@
           <a:p>
             <a:fld id="{87DE6118-2437-4B30-8E3C-4D2BE6020583}" type="datetimeFigureOut">
               <a:rPr lang="en-US" smtClean="0"/>
-              <a:t>19/5/2020</a:t>
+              <a:t>20/5/2020</a:t>
             </a:fld>
             <a:endParaRPr lang="en-US" dirty="0"/>
           </a:p>
@@ -3866,7 +3866,7 @@
           <a:p>
             <a:fld id="{87DE6118-2437-4B30-8E3C-4D2BE6020583}" type="datetimeFigureOut">
               <a:rPr lang="en-US" smtClean="0"/>
-              <a:t>19/5/2020</a:t>
+              <a:t>20/5/2020</a:t>
             </a:fld>
             <a:endParaRPr lang="en-US" dirty="0"/>
           </a:p>
@@ -4066,7 +4066,7 @@
           <a:p>
             <a:fld id="{87DE6118-2437-4B30-8E3C-4D2BE6020583}" type="datetimeFigureOut">
               <a:rPr lang="en-US" smtClean="0"/>
-              <a:t>19/5/2020</a:t>
+              <a:t>20/5/2020</a:t>
             </a:fld>
             <a:endParaRPr lang="en-US" dirty="0"/>
           </a:p>
@@ -4343,7 +4343,7 @@
             <a:fld id="{87DE6118-2437-4B30-8E3C-4D2BE6020583}" type="datetimeFigureOut">
               <a:rPr lang="en-US" smtClean="0"/>
               <a:pPr/>
-              <a:t>19/5/2020</a:t>
+              <a:t>20/5/2020</a:t>
             </a:fld>
             <a:endParaRPr lang="en-US" dirty="0"/>
           </a:p>
@@ -4610,7 +4610,7 @@
           <a:p>
             <a:fld id="{87DE6118-2437-4B30-8E3C-4D2BE6020583}" type="datetimeFigureOut">
               <a:rPr lang="en-US" smtClean="0"/>
-              <a:t>19/5/2020</a:t>
+              <a:t>20/5/2020</a:t>
             </a:fld>
             <a:endParaRPr lang="en-US" dirty="0"/>
           </a:p>
@@ -4984,7 +4984,7 @@
           <a:p>
             <a:fld id="{87DE6118-2437-4B30-8E3C-4D2BE6020583}" type="datetimeFigureOut">
               <a:rPr lang="en-US" smtClean="0"/>
-              <a:t>19/5/2020</a:t>
+              <a:t>20/5/2020</a:t>
             </a:fld>
             <a:endParaRPr lang="en-US" dirty="0"/>
           </a:p>
@@ -5132,7 +5132,7 @@
           <a:p>
             <a:fld id="{87DE6118-2437-4B30-8E3C-4D2BE6020583}" type="datetimeFigureOut">
               <a:rPr lang="en-US" smtClean="0"/>
-              <a:t>19/5/2020</a:t>
+              <a:t>20/5/2020</a:t>
             </a:fld>
             <a:endParaRPr lang="en-US" dirty="0"/>
           </a:p>
@@ -5257,7 +5257,7 @@
           <a:p>
             <a:fld id="{87DE6118-2437-4B30-8E3C-4D2BE6020583}" type="datetimeFigureOut">
               <a:rPr lang="en-US" smtClean="0"/>
-              <a:t>19/5/2020</a:t>
+              <a:t>20/5/2020</a:t>
             </a:fld>
             <a:endParaRPr lang="en-US" dirty="0"/>
           </a:p>
@@ -5543,7 +5543,7 @@
             <a:fld id="{87DE6118-2437-4B30-8E3C-4D2BE6020583}" type="datetimeFigureOut">
               <a:rPr lang="en-US" smtClean="0"/>
               <a:pPr/>
-              <a:t>19/5/2020</a:t>
+              <a:t>20/5/2020</a:t>
             </a:fld>
             <a:endParaRPr lang="en-US" dirty="0"/>
           </a:p>
@@ -5869,7 +5869,7 @@
             <a:fld id="{87DE6118-2437-4B30-8E3C-4D2BE6020583}" type="datetimeFigureOut">
               <a:rPr lang="en-US" smtClean="0"/>
               <a:pPr/>
-              <a:t>19/5/2020</a:t>
+              <a:t>20/5/2020</a:t>
             </a:fld>
             <a:endParaRPr lang="en-US" dirty="0"/>
           </a:p>
@@ -6085,7 +6085,7 @@
             <a:fld id="{87DE6118-2437-4B30-8E3C-4D2BE6020583}" type="datetimeFigureOut">
               <a:rPr lang="en-US" smtClean="0"/>
               <a:pPr/>
-              <a:t>19/5/2020</a:t>
+              <a:t>20/5/2020</a:t>
             </a:fld>
             <a:endParaRPr lang="en-US" dirty="0"/>
           </a:p>
@@ -6609,7 +6609,7 @@
           <p:cNvPr id="5" name="Picture 4" descr="night sky with mountains far away on the horizon">
             <a:extLst>
               <a:ext uri="{FF2B5EF4-FFF2-40B4-BE49-F238E27FC236}">
-                <a16:creationId xmlns="" xmlns:a16="http://schemas.microsoft.com/office/drawing/2014/main" id="{7C454B0C-0819-4D56-9275-BCE254DA659D}"/>
+                <a16:creationId xmlns:a16="http://schemas.microsoft.com/office/drawing/2014/main" xmlns="" id="{7C454B0C-0819-4D56-9275-BCE254DA659D}"/>
               </a:ext>
             </a:extLst>
           </p:cNvPr>
@@ -6645,7 +6645,7 @@
           <p:cNvPr id="2" name="Title 1">
             <a:extLst>
               <a:ext uri="{FF2B5EF4-FFF2-40B4-BE49-F238E27FC236}">
-                <a16:creationId xmlns="" xmlns:a16="http://schemas.microsoft.com/office/drawing/2014/main" id="{340C7600-5BA8-4A54-887F-74AF87750A31}"/>
+                <a16:creationId xmlns:a16="http://schemas.microsoft.com/office/drawing/2014/main" xmlns="" id="{340C7600-5BA8-4A54-887F-74AF87750A31}"/>
               </a:ext>
             </a:extLst>
           </p:cNvPr>
@@ -7899,7 +7899,17 @@
           <a:p>
             <a:r>
               <a:rPr lang="sr-Latn-RS" dirty="0" smtClean="0"/>
-              <a:t>Oracle nikada ne vrši eskalaciju lock-ova na veći nivo granularnosti jer oni mogu dovesti do pojave i na taj način obezbeđuje najveću moguću konkurentnost</a:t>
+              <a:t>Oracle obavlja konverziju lock-ova po potrebi</a:t>
+            </a:r>
+          </a:p>
+          <a:p>
+            <a:r>
+              <a:rPr lang="sr-Latn-RS" dirty="0" smtClean="0"/>
+              <a:t>Oracle </a:t>
+            </a:r>
+            <a:r>
+              <a:rPr lang="sr-Latn-RS" dirty="0" smtClean="0"/>
+              <a:t>nikada ne vrši eskalaciju lock-ova na veći nivo granularnosti jer oni mogu dovesti do pojave i na taj način obezbeđuje najveću moguću konkurentnost</a:t>
             </a:r>
           </a:p>
         </p:txBody>
@@ -8928,11 +8938,7 @@
           <a:p>
             <a:r>
               <a:rPr lang="sr-Latn-RS" dirty="0" smtClean="0"/>
-              <a:t>Problem izgubljenog </a:t>
-            </a:r>
-            <a:r>
-              <a:rPr lang="sr-Latn-RS" dirty="0" smtClean="0"/>
-              <a:t>ažuriranja (</a:t>
+              <a:t>Problem izgubljenog ažuriranja (</a:t>
             </a:r>
             <a:r>
               <a:rPr lang="sr-Latn-RS" dirty="0" err="1" smtClean="0"/>
@@ -9712,7 +9718,7 @@
           <p:cNvPr id="5" name="Picture 4" descr="light spots">
             <a:extLst>
               <a:ext uri="{FF2B5EF4-FFF2-40B4-BE49-F238E27FC236}">
-                <a16:creationId xmlns="" xmlns:a16="http://schemas.microsoft.com/office/drawing/2014/main" id="{20A520D0-11CF-4639-8537-F56A8A2FDCFD}"/>
+                <a16:creationId xmlns:a16="http://schemas.microsoft.com/office/drawing/2014/main" xmlns="" id="{20A520D0-11CF-4639-8537-F56A8A2FDCFD}"/>
               </a:ext>
             </a:extLst>
           </p:cNvPr>
@@ -9748,7 +9754,7 @@
           <p:cNvPr id="2" name="Title 1">
             <a:extLst>
               <a:ext uri="{FF2B5EF4-FFF2-40B4-BE49-F238E27FC236}">
-                <a16:creationId xmlns="" xmlns:a16="http://schemas.microsoft.com/office/drawing/2014/main" id="{D44BCB7C-A6FC-4118-9027-468ECFDE6455}"/>
+                <a16:creationId xmlns:a16="http://schemas.microsoft.com/office/drawing/2014/main" xmlns="" id="{D44BCB7C-A6FC-4118-9027-468ECFDE6455}"/>
               </a:ext>
             </a:extLst>
           </p:cNvPr>
@@ -10112,11 +10118,7 @@
             </a:r>
             <a:r>
               <a:rPr lang="sr-Latn-RS" dirty="0"/>
-              <a:t> ukoliko se kod svake transakcije T u planu izvršenja sve operacije transakcije T izvršavaju </a:t>
-            </a:r>
-            <a:r>
-              <a:rPr lang="sr-Latn-RS" dirty="0"/>
-              <a:t>sekvencijalno jedna za drugom</a:t>
+              <a:t> ukoliko se kod svake transakcije T u planu izvršenja sve operacije transakcije T izvršavaju sekvencijalno jedna za drugom</a:t>
             </a:r>
             <a:endParaRPr lang="sr-Latn-RS" dirty="0" smtClean="0"/>
           </a:p>
@@ -10617,12 +10619,12 @@
           <a:lstStyle/>
           <a:p>
             <a:r>
-              <a:rPr lang="sr-Latn-RS" dirty="0" err="1" smtClean="0"/>
-              <a:t>Konrtola</a:t>
-            </a:r>
-            <a:r>
               <a:rPr lang="sr-Latn-RS" dirty="0" smtClean="0"/>
-              <a:t> konkurentnosti u B+ stablima</a:t>
+              <a:t>Kontrola </a:t>
+            </a:r>
+            <a:r>
+              <a:rPr lang="sr-Latn-RS" dirty="0" smtClean="0"/>
+              <a:t>konkurentnosti u B+ stablima</a:t>
             </a:r>
             <a:endParaRPr lang="en-US" dirty="0"/>
           </a:p>
@@ -10645,7 +10647,31 @@
           <a:p>
             <a:r>
               <a:rPr lang="sr-Latn-RS" dirty="0"/>
-              <a:t>Pretrage u indeksu zahtevaju da transakcija pribavi deljene lock-ove počevši od korena stabla pa sve do odgovarajućeg lista koji sadrži traženi podatak. Na osnovu prve činjenice možemo uočiti da se u ovom slučaju lock nad čvorom može osloboditi odmah nakon što se pribavi lock nad njegovim detetom (jer se nikada ne vraćamo pri traženju</a:t>
+              <a:t>Pretrage u indeksu zahtevaju da transakcija pribavi deljene lock-ove počevši od korena stabla pa sve do odgovarajućeg lista koji sadrži traženi podatak. </a:t>
+            </a:r>
+            <a:r>
+              <a:rPr lang="en-US" dirty="0" smtClean="0"/>
+              <a:t>L</a:t>
+            </a:r>
+            <a:r>
+              <a:rPr lang="sr-Latn-RS" dirty="0" err="1" smtClean="0"/>
+              <a:t>ock</a:t>
+            </a:r>
+            <a:r>
+              <a:rPr lang="sr-Latn-RS" dirty="0" smtClean="0"/>
+              <a:t> </a:t>
+            </a:r>
+            <a:r>
+              <a:rPr lang="sr-Latn-RS" dirty="0"/>
+              <a:t>nad </a:t>
+            </a:r>
+            <a:r>
+              <a:rPr lang="sr-Latn-RS" dirty="0" smtClean="0"/>
+              <a:t>unutrašnjim čvorom se može </a:t>
+            </a:r>
+            <a:r>
+              <a:rPr lang="sr-Latn-RS" dirty="0"/>
+              <a:t>osloboditi odmah nakon što se pribavi lock nad njegovim detetom (jer se nikada ne vraćamo pri traženju</a:t>
             </a:r>
             <a:r>
               <a:rPr lang="sr-Latn-RS" dirty="0" smtClean="0"/>
@@ -10655,7 +10681,15 @@
           <a:p>
             <a:r>
               <a:rPr lang="sr-Latn-RS" dirty="0"/>
-              <a:t>Prilikom dodavanja moramo pribaviti ekskluzivne lock-ove od korena sve do lista stabla gde se zapis dodaje jer se podelom potomaka pri dodavanju podaci mogu propagirati naviše u stablu. Međutim, ukoliko čvor potomak (kroz koji se proteže put dodavanja zapisa) ima dovoljno slobodnog prostora za dodavanje tako da ne dolazi do njegove podle, možemo da oslobodimo lock-nad trenutnim čvorom </a:t>
+              <a:t>Prilikom dodavanja moramo pribaviti ekskluzivne lock-ove od korena sve do lista stabla gde se zapis dodaje jer se podelom potomaka pri dodavanju podaci mogu propagirati naviše u stablu. Međutim, ukoliko čvor potomak (kroz koji se proteže put dodavanja zapisa) ima dovoljno slobodnog prostora za dodavanje tako da ne dolazi do njegove </a:t>
+            </a:r>
+            <a:r>
+              <a:rPr lang="sr-Latn-RS" dirty="0" smtClean="0"/>
+              <a:t>podele</a:t>
+            </a:r>
+            <a:r>
+              <a:rPr lang="sr-Latn-RS" dirty="0"/>
+              <a:t>, možemo da oslobodimo lock-nad trenutnim čvorom </a:t>
             </a:r>
             <a:endParaRPr lang="en-US" dirty="0"/>
           </a:p>
@@ -10741,7 +10775,15 @@
           <a:p>
             <a:r>
               <a:rPr lang="sr-Latn-RS" dirty="0" smtClean="0"/>
-              <a:t>Izvršne naredbe su: DML i DDL naredbe kao i </a:t>
+              <a:t>Izvršne naredbe </a:t>
+            </a:r>
+            <a:r>
+              <a:rPr lang="sr-Latn-RS" dirty="0" smtClean="0"/>
+              <a:t>su naredbe koje generišu poziv ka bazi uključujući </a:t>
+            </a:r>
+            <a:r>
+              <a:rPr lang="sr-Latn-RS" dirty="0" smtClean="0"/>
+              <a:t>DML i DDL naredbe kao i </a:t>
             </a:r>
             <a:r>
               <a:rPr lang="sr-Latn-RS" dirty="0"/>
@@ -10749,8 +10791,13 @@
             </a:r>
             <a:r>
               <a:rPr lang="sr-Latn-RS" dirty="0" smtClean="0"/>
-              <a:t>TRANSACTION naredbom</a:t>
-            </a:r>
+              <a:t>TRANSACTION </a:t>
+            </a:r>
+            <a:r>
+              <a:rPr lang="sr-Latn-RS" dirty="0" smtClean="0"/>
+              <a:t>naredbu</a:t>
+            </a:r>
+            <a:endParaRPr lang="sr-Latn-RS" dirty="0" smtClean="0"/>
           </a:p>
           <a:p>
             <a:r>
@@ -11613,6 +11660,15 @@
 </file>
 
 <file path=customXml/item1.xml><?xml version="1.0" encoding="utf-8"?>
+<?mso-contentType ?>
+<FormTemplates xmlns="http://schemas.microsoft.com/sharepoint/v3/contenttype/forms">
+  <Display>DocumentLibraryForm</Display>
+  <Edit>DocumentLibraryForm</Edit>
+  <New>DocumentLibraryForm</New>
+</FormTemplates>
+</file>
+
+<file path=customXml/item2.xml><?xml version="1.0" encoding="utf-8"?>
 <ct:contentTypeSchema xmlns:ct="http://schemas.microsoft.com/office/2006/metadata/contentType" xmlns:ma="http://schemas.microsoft.com/office/2006/metadata/properties/metaAttributes" ct:_="" ma:_="" ma:contentTypeName="Document" ma:contentTypeID="0x01010079F111ED35F8CC479449609E8A0923A6" ma:contentTypeVersion="12" ma:contentTypeDescription="Create a new document." ma:contentTypeScope="" ma:versionID="b385d60f68dd989dca1fdc827799d853">
   <xsd:schema xmlns:xsd="http://www.w3.org/2001/XMLSchema" xmlns:xs="http://www.w3.org/2001/XMLSchema" xmlns:p="http://schemas.microsoft.com/office/2006/metadata/properties" xmlns:ns2="71af3243-3dd4-4a8d-8c0d-dd76da1f02a5" xmlns:ns3="16c05727-aa75-4e4a-9b5f-8a80a1165891" targetNamespace="http://schemas.microsoft.com/office/2006/metadata/properties" ma:root="true" ma:fieldsID="1911b479caf7b199da365455750e4572" ns2:_="" ns3:_="">
     <xsd:import namespace="71af3243-3dd4-4a8d-8c0d-dd76da1f02a5"/>
@@ -11833,15 +11889,6 @@
 </ct:contentTypeSchema>
 </file>
 
-<file path=customXml/item2.xml><?xml version="1.0" encoding="utf-8"?>
-<?mso-contentType ?>
-<FormTemplates xmlns="http://schemas.microsoft.com/sharepoint/v3/contenttype/forms">
-  <Display>DocumentLibraryForm</Display>
-  <Edit>DocumentLibraryForm</Edit>
-  <New>DocumentLibraryForm</New>
-</FormTemplates>
-</file>
-
 <file path=customXml/item3.xml><?xml version="1.0" encoding="utf-8"?>
 <p:properties xmlns:p="http://schemas.microsoft.com/office/2006/metadata/properties" xmlns:xsi="http://www.w3.org/2001/XMLSchema-instance" xmlns:pc="http://schemas.microsoft.com/office/infopath/2007/PartnerControls">
   <documentManagement>
@@ -11852,6 +11899,14 @@
 </file>
 
 <file path=customXml/itemProps1.xml><?xml version="1.0" encoding="utf-8"?>
+<ds:datastoreItem xmlns:ds="http://schemas.openxmlformats.org/officeDocument/2006/customXml" ds:itemID="{CE12C2FA-3740-4055-BA8A-74A1458F4A51}">
+  <ds:schemaRefs>
+    <ds:schemaRef ds:uri="http://schemas.microsoft.com/sharepoint/v3/contenttype/forms"/>
+  </ds:schemaRefs>
+</ds:datastoreItem>
+</file>
+
+<file path=customXml/itemProps2.xml><?xml version="1.0" encoding="utf-8"?>
 <ds:datastoreItem xmlns:ds="http://schemas.openxmlformats.org/officeDocument/2006/customXml" ds:itemID="{0257C101-46E1-4CAE-AE60-1AB79022B7A9}">
   <ds:schemaRefs>
     <ds:schemaRef ds:uri="http://schemas.microsoft.com/office/2006/metadata/contentType"/>
@@ -11870,14 +11925,6 @@
 </ds:datastoreItem>
 </file>
 
-<file path=customXml/itemProps2.xml><?xml version="1.0" encoding="utf-8"?>
-<ds:datastoreItem xmlns:ds="http://schemas.openxmlformats.org/officeDocument/2006/customXml" ds:itemID="{CE12C2FA-3740-4055-BA8A-74A1458F4A51}">
-  <ds:schemaRefs>
-    <ds:schemaRef ds:uri="http://schemas.microsoft.com/sharepoint/v3/contenttype/forms"/>
-  </ds:schemaRefs>
-</ds:datastoreItem>
-</file>
-
 <file path=customXml/itemProps3.xml><?xml version="1.0" encoding="utf-8"?>
 <ds:datastoreItem xmlns:ds="http://schemas.openxmlformats.org/officeDocument/2006/customXml" ds:itemID="{4415B3C4-7FB6-414C-8C24-8862C0E6C9F3}">
   <ds:schemaRefs>

--- a/Obrada transakcija/Obrada transakcija.pptx
+++ b/Obrada transakcija/Obrada transakcija.pptx
@@ -249,7 +249,7 @@
           <a:p>
             <a:fld id="{866D81A9-CFC2-4640-899E-DD3E177BE50A}" type="datetimeFigureOut">
               <a:rPr lang="en-US" smtClean="0"/>
-              <a:t>20/5/2020</a:t>
+              <a:t>27/5/2020</a:t>
             </a:fld>
             <a:endParaRPr lang="en-US" dirty="0"/>
           </a:p>
@@ -426,7 +426,7 @@
           <a:p>
             <a:fld id="{AA1E50F4-C55A-473A-A70B-4B042EF011A9}" type="datetimeFigureOut">
               <a:rPr lang="en-US" smtClean="0"/>
-              <a:t>20/5/2020</a:t>
+              <a:t>27/5/2020</a:t>
             </a:fld>
             <a:endParaRPr lang="en-US" dirty="0"/>
           </a:p>
@@ -1091,7 +1091,7 @@
             <a:fld id="{87DE6118-2437-4B30-8E3C-4D2BE6020583}" type="datetimeFigureOut">
               <a:rPr lang="en-US" smtClean="0"/>
               <a:pPr/>
-              <a:t>20/5/2020</a:t>
+              <a:t>27/5/2020</a:t>
             </a:fld>
             <a:endParaRPr lang="en-US" dirty="0"/>
           </a:p>
@@ -1427,7 +1427,7 @@
             <a:fld id="{87DE6118-2437-4B30-8E3C-4D2BE6020583}" type="datetimeFigureOut">
               <a:rPr lang="en-US" smtClean="0"/>
               <a:pPr/>
-              <a:t>20/5/2020</a:t>
+              <a:t>27/5/2020</a:t>
             </a:fld>
             <a:endParaRPr lang="en-US" dirty="0"/>
           </a:p>
@@ -1707,7 +1707,7 @@
             <a:fld id="{87DE6118-2437-4B30-8E3C-4D2BE6020583}" type="datetimeFigureOut">
               <a:rPr lang="en-US" smtClean="0"/>
               <a:pPr/>
-              <a:t>20/5/2020</a:t>
+              <a:t>27/5/2020</a:t>
             </a:fld>
             <a:endParaRPr lang="en-US" dirty="0"/>
           </a:p>
@@ -2277,7 +2277,7 @@
             <a:fld id="{87DE6118-2437-4B30-8E3C-4D2BE6020583}" type="datetimeFigureOut">
               <a:rPr lang="en-US" smtClean="0"/>
               <a:pPr/>
-              <a:t>20/5/2020</a:t>
+              <a:t>27/5/2020</a:t>
             </a:fld>
             <a:endParaRPr lang="en-US" dirty="0"/>
           </a:p>
@@ -2557,7 +2557,7 @@
             <a:fld id="{87DE6118-2437-4B30-8E3C-4D2BE6020583}" type="datetimeFigureOut">
               <a:rPr lang="en-US" smtClean="0"/>
               <a:pPr/>
-              <a:t>20/5/2020</a:t>
+              <a:t>27/5/2020</a:t>
             </a:fld>
             <a:endParaRPr lang="en-US" dirty="0"/>
           </a:p>
@@ -3121,7 +3121,7 @@
             <a:fld id="{87DE6118-2437-4B30-8E3C-4D2BE6020583}" type="datetimeFigureOut">
               <a:rPr lang="en-US" smtClean="0"/>
               <a:pPr/>
-              <a:t>20/5/2020</a:t>
+              <a:t>27/5/2020</a:t>
             </a:fld>
             <a:endParaRPr lang="en-US" dirty="0"/>
           </a:p>
@@ -3450,7 +3450,7 @@
             <a:fld id="{87DE6118-2437-4B30-8E3C-4D2BE6020583}" type="datetimeFigureOut">
               <a:rPr lang="en-US" smtClean="0"/>
               <a:pPr/>
-              <a:t>20/5/2020</a:t>
+              <a:t>27/5/2020</a:t>
             </a:fld>
             <a:endParaRPr lang="en-US" dirty="0"/>
           </a:p>
@@ -3656,7 +3656,7 @@
           <a:p>
             <a:fld id="{87DE6118-2437-4B30-8E3C-4D2BE6020583}" type="datetimeFigureOut">
               <a:rPr lang="en-US" smtClean="0"/>
-              <a:t>20/5/2020</a:t>
+              <a:t>27/5/2020</a:t>
             </a:fld>
             <a:endParaRPr lang="en-US" dirty="0"/>
           </a:p>
@@ -3866,7 +3866,7 @@
           <a:p>
             <a:fld id="{87DE6118-2437-4B30-8E3C-4D2BE6020583}" type="datetimeFigureOut">
               <a:rPr lang="en-US" smtClean="0"/>
-              <a:t>20/5/2020</a:t>
+              <a:t>27/5/2020</a:t>
             </a:fld>
             <a:endParaRPr lang="en-US" dirty="0"/>
           </a:p>
@@ -4066,7 +4066,7 @@
           <a:p>
             <a:fld id="{87DE6118-2437-4B30-8E3C-4D2BE6020583}" type="datetimeFigureOut">
               <a:rPr lang="en-US" smtClean="0"/>
-              <a:t>20/5/2020</a:t>
+              <a:t>27/5/2020</a:t>
             </a:fld>
             <a:endParaRPr lang="en-US" dirty="0"/>
           </a:p>
@@ -4343,7 +4343,7 @@
             <a:fld id="{87DE6118-2437-4B30-8E3C-4D2BE6020583}" type="datetimeFigureOut">
               <a:rPr lang="en-US" smtClean="0"/>
               <a:pPr/>
-              <a:t>20/5/2020</a:t>
+              <a:t>27/5/2020</a:t>
             </a:fld>
             <a:endParaRPr lang="en-US" dirty="0"/>
           </a:p>
@@ -4610,7 +4610,7 @@
           <a:p>
             <a:fld id="{87DE6118-2437-4B30-8E3C-4D2BE6020583}" type="datetimeFigureOut">
               <a:rPr lang="en-US" smtClean="0"/>
-              <a:t>20/5/2020</a:t>
+              <a:t>27/5/2020</a:t>
             </a:fld>
             <a:endParaRPr lang="en-US" dirty="0"/>
           </a:p>
@@ -4984,7 +4984,7 @@
           <a:p>
             <a:fld id="{87DE6118-2437-4B30-8E3C-4D2BE6020583}" type="datetimeFigureOut">
               <a:rPr lang="en-US" smtClean="0"/>
-              <a:t>20/5/2020</a:t>
+              <a:t>27/5/2020</a:t>
             </a:fld>
             <a:endParaRPr lang="en-US" dirty="0"/>
           </a:p>
@@ -5132,7 +5132,7 @@
           <a:p>
             <a:fld id="{87DE6118-2437-4B30-8E3C-4D2BE6020583}" type="datetimeFigureOut">
               <a:rPr lang="en-US" smtClean="0"/>
-              <a:t>20/5/2020</a:t>
+              <a:t>27/5/2020</a:t>
             </a:fld>
             <a:endParaRPr lang="en-US" dirty="0"/>
           </a:p>
@@ -5257,7 +5257,7 @@
           <a:p>
             <a:fld id="{87DE6118-2437-4B30-8E3C-4D2BE6020583}" type="datetimeFigureOut">
               <a:rPr lang="en-US" smtClean="0"/>
-              <a:t>20/5/2020</a:t>
+              <a:t>27/5/2020</a:t>
             </a:fld>
             <a:endParaRPr lang="en-US" dirty="0"/>
           </a:p>
@@ -5543,7 +5543,7 @@
             <a:fld id="{87DE6118-2437-4B30-8E3C-4D2BE6020583}" type="datetimeFigureOut">
               <a:rPr lang="en-US" smtClean="0"/>
               <a:pPr/>
-              <a:t>20/5/2020</a:t>
+              <a:t>27/5/2020</a:t>
             </a:fld>
             <a:endParaRPr lang="en-US" dirty="0"/>
           </a:p>
@@ -5869,7 +5869,7 @@
             <a:fld id="{87DE6118-2437-4B30-8E3C-4D2BE6020583}" type="datetimeFigureOut">
               <a:rPr lang="en-US" smtClean="0"/>
               <a:pPr/>
-              <a:t>20/5/2020</a:t>
+              <a:t>27/5/2020</a:t>
             </a:fld>
             <a:endParaRPr lang="en-US" dirty="0"/>
           </a:p>
@@ -6085,7 +6085,7 @@
             <a:fld id="{87DE6118-2437-4B30-8E3C-4D2BE6020583}" type="datetimeFigureOut">
               <a:rPr lang="en-US" smtClean="0"/>
               <a:pPr/>
-              <a:t>20/5/2020</a:t>
+              <a:t>27/5/2020</a:t>
             </a:fld>
             <a:endParaRPr lang="en-US" dirty="0"/>
           </a:p>
@@ -7905,11 +7905,19 @@
           <a:p>
             <a:r>
               <a:rPr lang="sr-Latn-RS" dirty="0" smtClean="0"/>
-              <a:t>Oracle </a:t>
+              <a:t>Oracle nikada ne vrši eskalaciju lock-ova na veći nivo granularnosti jer oni mogu dovesti do pojave</a:t>
+            </a:r>
+            <a:r>
+              <a:rPr lang="en-US" smtClean="0"/>
+              <a:t> deadlock-a</a:t>
+            </a:r>
+            <a:r>
+              <a:rPr lang="sr-Latn-RS" smtClean="0"/>
+              <a:t> </a:t>
             </a:r>
             <a:r>
               <a:rPr lang="sr-Latn-RS" dirty="0" smtClean="0"/>
-              <a:t>nikada ne vrši eskalaciju lock-ova na veći nivo granularnosti jer oni mogu dovesti do pojave i na taj način obezbeđuje najveću moguću konkurentnost</a:t>
+              <a:t>i na taj način obezbeđuje najveću moguću konkurentnost</a:t>
             </a:r>
           </a:p>
         </p:txBody>
@@ -10253,7 +10261,15 @@
             </a:r>
             <a:r>
               <a:rPr lang="sr-Latn-RS" dirty="0"/>
-              <a:t>kaže se da je konflikt serijabilan ukoliko je plan izvršenja S konflikt ekvivalentan nekom serijalnom planu izvršenja S</a:t>
+              <a:t>kaže se da je konflikt serijabilan ukoliko je plan izvršenja S konflikt ekvivalentan nekom </a:t>
+            </a:r>
+            <a:r>
+              <a:rPr lang="sr-Latn-RS" dirty="0" smtClean="0"/>
+              <a:t>serijskom </a:t>
+            </a:r>
+            <a:r>
+              <a:rPr lang="sr-Latn-RS" dirty="0"/>
+              <a:t>planu izvršenja S</a:t>
             </a:r>
             <a:r>
               <a:rPr lang="sr-Latn-RS" dirty="0" smtClean="0"/>
@@ -10263,7 +10279,15 @@
           <a:p>
             <a:r>
               <a:rPr lang="sr-Latn-RS" dirty="0"/>
-              <a:t>Plan izvršenja je serijabilan po pogledu ukoliko je ekvivalentan po pogledu nekom serijalnom planu izvršenja</a:t>
+              <a:t>Plan izvršenja je serijabilan po pogledu ukoliko je ekvivalentan po pogledu nekom </a:t>
+            </a:r>
+            <a:r>
+              <a:rPr lang="sr-Latn-RS" dirty="0"/>
+              <a:t>serijskom planu </a:t>
+            </a:r>
+            <a:r>
+              <a:rPr lang="sr-Latn-RS" dirty="0"/>
+              <a:t>izvršenja</a:t>
             </a:r>
             <a:endParaRPr lang="en-US" dirty="0"/>
           </a:p>
@@ -10362,7 +10386,45 @@
           <a:p>
             <a:r>
               <a:rPr lang="sr-Latn-RS" dirty="0"/>
-              <a:t>Možemo dopustiti svim transakcijama da zajedno pristupaju podatku ukoliko sve one obavljaju operaciju čitanja jer dve ili više operacije čitanja ne prouzrokuju </a:t>
+              <a:t>Dvofazno zaključavanje je jedna od glavnih tehnika za upravljanje konkurentnog izvršenja transakcija i zasniva se na konceptu zaključavanja stavki </a:t>
+            </a:r>
+            <a:r>
+              <a:rPr lang="sr-Latn-RS" dirty="0" smtClean="0"/>
+              <a:t>podataka</a:t>
+            </a:r>
+            <a:endParaRPr lang="en-US" dirty="0" smtClean="0"/>
+          </a:p>
+          <a:p>
+            <a:r>
+              <a:rPr lang="sr-Latn-RS" dirty="0"/>
+              <a:t>Lock je posebna promenljiva povezana sa stavkom  podataka koja govori da li je </a:t>
+            </a:r>
+            <a:r>
+              <a:rPr lang="sr-Latn-RS" dirty="0" smtClean="0"/>
+              <a:t>ona</a:t>
+            </a:r>
+            <a:r>
+              <a:rPr lang="en-US" dirty="0" smtClean="0"/>
+              <a:t> </a:t>
+            </a:r>
+            <a:r>
+              <a:rPr lang="sr-Latn-RS" dirty="0" smtClean="0"/>
+              <a:t>slobodna </a:t>
+            </a:r>
+            <a:r>
+              <a:rPr lang="sr-Latn-RS" dirty="0"/>
+              <a:t>za korišćenje u određenim operacijama</a:t>
+            </a:r>
+            <a:endParaRPr lang="en-US" dirty="0" smtClean="0"/>
+          </a:p>
+          <a:p>
+            <a:r>
+              <a:rPr lang="sr-Latn-RS" dirty="0" smtClean="0"/>
+              <a:t>Možemo </a:t>
+            </a:r>
+            <a:r>
+              <a:rPr lang="sr-Latn-RS" dirty="0"/>
+              <a:t>dopustiti svim transakcijama da zajedno pristupaju podatku ukoliko sve one obavljaju operaciju čitanja jer dve ili više operacije čitanja ne prouzrokuju </a:t>
             </a:r>
             <a:r>
               <a:rPr lang="sr-Latn-RS" dirty="0" smtClean="0"/>
@@ -10620,11 +10682,7 @@
           <a:p>
             <a:r>
               <a:rPr lang="sr-Latn-RS" dirty="0" smtClean="0"/>
-              <a:t>Kontrola </a:t>
-            </a:r>
-            <a:r>
-              <a:rPr lang="sr-Latn-RS" dirty="0" smtClean="0"/>
-              <a:t>konkurentnosti u B+ stablima</a:t>
+              <a:t>Kontrola konkurentnosti u B+ stablima</a:t>
             </a:r>
             <a:endParaRPr lang="en-US" dirty="0"/>
           </a:p>
@@ -10775,15 +10833,7 @@
           <a:p>
             <a:r>
               <a:rPr lang="sr-Latn-RS" dirty="0" smtClean="0"/>
-              <a:t>Izvršne naredbe </a:t>
-            </a:r>
-            <a:r>
-              <a:rPr lang="sr-Latn-RS" dirty="0" smtClean="0"/>
-              <a:t>su naredbe koje generišu poziv ka bazi uključujući </a:t>
-            </a:r>
-            <a:r>
-              <a:rPr lang="sr-Latn-RS" dirty="0" smtClean="0"/>
-              <a:t>DML i DDL naredbe kao i </a:t>
+              <a:t>Izvršne naredbe su naredbe koje generišu poziv ka bazi uključujući DML i DDL naredbe kao i </a:t>
             </a:r>
             <a:r>
               <a:rPr lang="sr-Latn-RS" dirty="0"/>
@@ -10791,13 +10841,8 @@
             </a:r>
             <a:r>
               <a:rPr lang="sr-Latn-RS" dirty="0" smtClean="0"/>
-              <a:t>TRANSACTION </a:t>
-            </a:r>
-            <a:r>
-              <a:rPr lang="sr-Latn-RS" dirty="0" smtClean="0"/>
-              <a:t>naredbu</a:t>
-            </a:r>
-            <a:endParaRPr lang="sr-Latn-RS" dirty="0" smtClean="0"/>
+              <a:t>TRANSACTION naredbu</a:t>
+            </a:r>
           </a:p>
           <a:p>
             <a:r>
